--- a/Documents/Slides/Identity-Introduction.pptx
+++ b/Documents/Slides/Identity-Introduction.pptx
@@ -1246,6 +1246,529 @@
       <dsp:cNvGrpSpPr/>
     </dsp:nvGrpSpPr>
     <dsp:grpSpPr/>
+    <dsp:sp modelId="{5ADC101B-D0AF-4253-90C2-A65DAB022F0F}">
+      <dsp:nvSpPr>
+        <dsp:cNvPr id="0" name=""/>
+        <dsp:cNvSpPr/>
+      </dsp:nvSpPr>
+      <dsp:spPr>
+        <a:xfrm>
+          <a:off x="2879" y="1150705"/>
+          <a:ext cx="1259032" cy="1082964"/>
+        </a:xfrm>
+        <a:prstGeom prst="roundRect">
+          <a:avLst>
+            <a:gd name="adj" fmla="val 10000"/>
+          </a:avLst>
+        </a:prstGeom>
+        <a:solidFill>
+          <a:schemeClr val="accent1">
+            <a:hueOff val="0"/>
+            <a:satOff val="0"/>
+            <a:lumOff val="0"/>
+            <a:alphaOff val="0"/>
+          </a:schemeClr>
+        </a:solidFill>
+        <a:ln w="25400" cap="flat" cmpd="sng" algn="ctr">
+          <a:solidFill>
+            <a:schemeClr val="lt1">
+              <a:hueOff val="0"/>
+              <a:satOff val="0"/>
+              <a:lumOff val="0"/>
+              <a:alphaOff val="0"/>
+            </a:schemeClr>
+          </a:solidFill>
+          <a:prstDash val="solid"/>
+        </a:ln>
+        <a:effectLst/>
+      </dsp:spPr>
+      <dsp:style>
+        <a:lnRef idx="2">
+          <a:scrgbClr r="0" g="0" b="0"/>
+        </a:lnRef>
+        <a:fillRef idx="1">
+          <a:scrgbClr r="0" g="0" b="0"/>
+        </a:fillRef>
+        <a:effectRef idx="0">
+          <a:scrgbClr r="0" g="0" b="0"/>
+        </a:effectRef>
+        <a:fontRef idx="minor">
+          <a:schemeClr val="lt1"/>
+        </a:fontRef>
+      </dsp:style>
+      <dsp:txBody>
+        <a:bodyPr spcFirstLastPara="0" vert="horz" wrap="square" lIns="60960" tIns="60960" rIns="60960" bIns="60960" numCol="1" spcCol="1270" anchor="ctr" anchorCtr="0">
+          <a:noAutofit/>
+        </a:bodyPr>
+        <a:lstStyle/>
+        <a:p>
+          <a:pPr lvl="0" algn="ctr" defTabSz="711200">
+            <a:lnSpc>
+              <a:spcPct val="90000"/>
+            </a:lnSpc>
+            <a:spcBef>
+              <a:spcPct val="0"/>
+            </a:spcBef>
+            <a:spcAft>
+              <a:spcPct val="35000"/>
+            </a:spcAft>
+          </a:pPr>
+          <a:r>
+            <a:rPr lang="sv-SE" sz="1600" kern="1200" dirty="0" smtClean="0"/>
+            <a:t>ASP.NET Membership (2005)</a:t>
+          </a:r>
+          <a:endParaRPr lang="en-GB" sz="1600" kern="1200" dirty="0"/>
+        </a:p>
+      </dsp:txBody>
+      <dsp:txXfrm>
+        <a:off x="34598" y="1182424"/>
+        <a:ext cx="1195594" cy="1019526"/>
+      </dsp:txXfrm>
+    </dsp:sp>
+    <dsp:sp modelId="{391A8D43-E6A1-4850-A09F-0E7F1DE7011B}">
+      <dsp:nvSpPr>
+        <dsp:cNvPr id="0" name=""/>
+        <dsp:cNvSpPr/>
+      </dsp:nvSpPr>
+      <dsp:spPr>
+        <a:xfrm>
+          <a:off x="1387815" y="1536067"/>
+          <a:ext cx="266914" cy="312240"/>
+        </a:xfrm>
+        <a:prstGeom prst="rightArrow">
+          <a:avLst>
+            <a:gd name="adj1" fmla="val 60000"/>
+            <a:gd name="adj2" fmla="val 50000"/>
+          </a:avLst>
+        </a:prstGeom>
+        <a:solidFill>
+          <a:schemeClr val="accent1">
+            <a:tint val="60000"/>
+            <a:hueOff val="0"/>
+            <a:satOff val="0"/>
+            <a:lumOff val="0"/>
+            <a:alphaOff val="0"/>
+          </a:schemeClr>
+        </a:solidFill>
+        <a:ln>
+          <a:noFill/>
+        </a:ln>
+        <a:effectLst/>
+      </dsp:spPr>
+      <dsp:style>
+        <a:lnRef idx="0">
+          <a:scrgbClr r="0" g="0" b="0"/>
+        </a:lnRef>
+        <a:fillRef idx="1">
+          <a:scrgbClr r="0" g="0" b="0"/>
+        </a:fillRef>
+        <a:effectRef idx="0">
+          <a:scrgbClr r="0" g="0" b="0"/>
+        </a:effectRef>
+        <a:fontRef idx="minor">
+          <a:schemeClr val="lt1"/>
+        </a:fontRef>
+      </dsp:style>
+      <dsp:txBody>
+        <a:bodyPr spcFirstLastPara="0" vert="horz" wrap="square" lIns="0" tIns="0" rIns="0" bIns="0" numCol="1" spcCol="1270" anchor="ctr" anchorCtr="0">
+          <a:noAutofit/>
+        </a:bodyPr>
+        <a:lstStyle/>
+        <a:p>
+          <a:pPr lvl="0" algn="ctr" defTabSz="577850">
+            <a:lnSpc>
+              <a:spcPct val="90000"/>
+            </a:lnSpc>
+            <a:spcBef>
+              <a:spcPct val="0"/>
+            </a:spcBef>
+            <a:spcAft>
+              <a:spcPct val="35000"/>
+            </a:spcAft>
+          </a:pPr>
+          <a:endParaRPr lang="en-GB" sz="1300" kern="1200"/>
+        </a:p>
+      </dsp:txBody>
+      <dsp:txXfrm>
+        <a:off x="1387815" y="1598515"/>
+        <a:ext cx="186840" cy="187344"/>
+      </dsp:txXfrm>
+    </dsp:sp>
+    <dsp:sp modelId="{6F616B3C-970A-45F0-9F45-1938F827806B}">
+      <dsp:nvSpPr>
+        <dsp:cNvPr id="0" name=""/>
+        <dsp:cNvSpPr/>
+      </dsp:nvSpPr>
+      <dsp:spPr>
+        <a:xfrm>
+          <a:off x="1765525" y="1150705"/>
+          <a:ext cx="1259032" cy="1082964"/>
+        </a:xfrm>
+        <a:prstGeom prst="roundRect">
+          <a:avLst>
+            <a:gd name="adj" fmla="val 10000"/>
+          </a:avLst>
+        </a:prstGeom>
+        <a:solidFill>
+          <a:schemeClr val="accent1">
+            <a:hueOff val="0"/>
+            <a:satOff val="0"/>
+            <a:lumOff val="0"/>
+            <a:alphaOff val="0"/>
+          </a:schemeClr>
+        </a:solidFill>
+        <a:ln w="25400" cap="flat" cmpd="sng" algn="ctr">
+          <a:solidFill>
+            <a:schemeClr val="lt1">
+              <a:hueOff val="0"/>
+              <a:satOff val="0"/>
+              <a:lumOff val="0"/>
+              <a:alphaOff val="0"/>
+            </a:schemeClr>
+          </a:solidFill>
+          <a:prstDash val="solid"/>
+        </a:ln>
+        <a:effectLst/>
+      </dsp:spPr>
+      <dsp:style>
+        <a:lnRef idx="2">
+          <a:scrgbClr r="0" g="0" b="0"/>
+        </a:lnRef>
+        <a:fillRef idx="1">
+          <a:scrgbClr r="0" g="0" b="0"/>
+        </a:fillRef>
+        <a:effectRef idx="0">
+          <a:scrgbClr r="0" g="0" b="0"/>
+        </a:effectRef>
+        <a:fontRef idx="minor">
+          <a:schemeClr val="lt1"/>
+        </a:fontRef>
+      </dsp:style>
+      <dsp:txBody>
+        <a:bodyPr spcFirstLastPara="0" vert="horz" wrap="square" lIns="60960" tIns="60960" rIns="60960" bIns="60960" numCol="1" spcCol="1270" anchor="ctr" anchorCtr="0">
+          <a:noAutofit/>
+        </a:bodyPr>
+        <a:lstStyle/>
+        <a:p>
+          <a:pPr lvl="0" algn="ctr" defTabSz="711200">
+            <a:lnSpc>
+              <a:spcPct val="90000"/>
+            </a:lnSpc>
+            <a:spcBef>
+              <a:spcPct val="0"/>
+            </a:spcBef>
+            <a:spcAft>
+              <a:spcPct val="35000"/>
+            </a:spcAft>
+          </a:pPr>
+          <a:r>
+            <a:rPr lang="sv-SE" sz="1600" kern="1200" dirty="0" smtClean="0"/>
+            <a:t>ASP.NET Simple Membership (2010)</a:t>
+          </a:r>
+          <a:endParaRPr lang="en-GB" sz="1600" kern="1200" dirty="0"/>
+        </a:p>
+      </dsp:txBody>
+      <dsp:txXfrm>
+        <a:off x="1797244" y="1182424"/>
+        <a:ext cx="1195594" cy="1019526"/>
+      </dsp:txXfrm>
+    </dsp:sp>
+    <dsp:sp modelId="{384C819D-8603-41A2-A152-FAF56755E81F}">
+      <dsp:nvSpPr>
+        <dsp:cNvPr id="0" name=""/>
+        <dsp:cNvSpPr/>
+      </dsp:nvSpPr>
+      <dsp:spPr>
+        <a:xfrm>
+          <a:off x="3150460" y="1536067"/>
+          <a:ext cx="266914" cy="312240"/>
+        </a:xfrm>
+        <a:prstGeom prst="rightArrow">
+          <a:avLst>
+            <a:gd name="adj1" fmla="val 60000"/>
+            <a:gd name="adj2" fmla="val 50000"/>
+          </a:avLst>
+        </a:prstGeom>
+        <a:solidFill>
+          <a:schemeClr val="accent1">
+            <a:tint val="60000"/>
+            <a:hueOff val="0"/>
+            <a:satOff val="0"/>
+            <a:lumOff val="0"/>
+            <a:alphaOff val="0"/>
+          </a:schemeClr>
+        </a:solidFill>
+        <a:ln>
+          <a:noFill/>
+        </a:ln>
+        <a:effectLst/>
+      </dsp:spPr>
+      <dsp:style>
+        <a:lnRef idx="0">
+          <a:scrgbClr r="0" g="0" b="0"/>
+        </a:lnRef>
+        <a:fillRef idx="1">
+          <a:scrgbClr r="0" g="0" b="0"/>
+        </a:fillRef>
+        <a:effectRef idx="0">
+          <a:scrgbClr r="0" g="0" b="0"/>
+        </a:effectRef>
+        <a:fontRef idx="minor">
+          <a:schemeClr val="lt1"/>
+        </a:fontRef>
+      </dsp:style>
+      <dsp:txBody>
+        <a:bodyPr spcFirstLastPara="0" vert="horz" wrap="square" lIns="0" tIns="0" rIns="0" bIns="0" numCol="1" spcCol="1270" anchor="ctr" anchorCtr="0">
+          <a:noAutofit/>
+        </a:bodyPr>
+        <a:lstStyle/>
+        <a:p>
+          <a:pPr lvl="0" algn="ctr" defTabSz="577850">
+            <a:lnSpc>
+              <a:spcPct val="90000"/>
+            </a:lnSpc>
+            <a:spcBef>
+              <a:spcPct val="0"/>
+            </a:spcBef>
+            <a:spcAft>
+              <a:spcPct val="35000"/>
+            </a:spcAft>
+          </a:pPr>
+          <a:endParaRPr lang="en-GB" sz="1300" kern="1200"/>
+        </a:p>
+      </dsp:txBody>
+      <dsp:txXfrm>
+        <a:off x="3150460" y="1598515"/>
+        <a:ext cx="186840" cy="187344"/>
+      </dsp:txXfrm>
+    </dsp:sp>
+    <dsp:sp modelId="{AB766A71-B336-464B-9348-3E68D43338B8}">
+      <dsp:nvSpPr>
+        <dsp:cNvPr id="0" name=""/>
+        <dsp:cNvSpPr/>
+      </dsp:nvSpPr>
+      <dsp:spPr>
+        <a:xfrm>
+          <a:off x="3528170" y="1150705"/>
+          <a:ext cx="1259032" cy="1082964"/>
+        </a:xfrm>
+        <a:prstGeom prst="roundRect">
+          <a:avLst>
+            <a:gd name="adj" fmla="val 10000"/>
+          </a:avLst>
+        </a:prstGeom>
+        <a:solidFill>
+          <a:schemeClr val="accent1">
+            <a:hueOff val="0"/>
+            <a:satOff val="0"/>
+            <a:lumOff val="0"/>
+            <a:alphaOff val="0"/>
+          </a:schemeClr>
+        </a:solidFill>
+        <a:ln w="25400" cap="flat" cmpd="sng" algn="ctr">
+          <a:solidFill>
+            <a:schemeClr val="lt1">
+              <a:hueOff val="0"/>
+              <a:satOff val="0"/>
+              <a:lumOff val="0"/>
+              <a:alphaOff val="0"/>
+            </a:schemeClr>
+          </a:solidFill>
+          <a:prstDash val="solid"/>
+        </a:ln>
+        <a:effectLst/>
+      </dsp:spPr>
+      <dsp:style>
+        <a:lnRef idx="2">
+          <a:scrgbClr r="0" g="0" b="0"/>
+        </a:lnRef>
+        <a:fillRef idx="1">
+          <a:scrgbClr r="0" g="0" b="0"/>
+        </a:fillRef>
+        <a:effectRef idx="0">
+          <a:scrgbClr r="0" g="0" b="0"/>
+        </a:effectRef>
+        <a:fontRef idx="minor">
+          <a:schemeClr val="lt1"/>
+        </a:fontRef>
+      </dsp:style>
+      <dsp:txBody>
+        <a:bodyPr spcFirstLastPara="0" vert="horz" wrap="square" lIns="60960" tIns="60960" rIns="60960" bIns="60960" numCol="1" spcCol="1270" anchor="ctr" anchorCtr="0">
+          <a:noAutofit/>
+        </a:bodyPr>
+        <a:lstStyle/>
+        <a:p>
+          <a:pPr lvl="0" algn="ctr" defTabSz="711200">
+            <a:lnSpc>
+              <a:spcPct val="90000"/>
+            </a:lnSpc>
+            <a:spcBef>
+              <a:spcPct val="0"/>
+            </a:spcBef>
+            <a:spcAft>
+              <a:spcPct val="35000"/>
+            </a:spcAft>
+          </a:pPr>
+          <a:r>
+            <a:rPr lang="sv-SE" sz="1600" kern="1200" dirty="0" smtClean="0"/>
+            <a:t>ASP.NET Identity 1.0 (2013)</a:t>
+          </a:r>
+          <a:endParaRPr lang="en-GB" sz="1600" kern="1200" dirty="0"/>
+        </a:p>
+      </dsp:txBody>
+      <dsp:txXfrm>
+        <a:off x="3559889" y="1182424"/>
+        <a:ext cx="1195594" cy="1019526"/>
+      </dsp:txXfrm>
+    </dsp:sp>
+    <dsp:sp modelId="{27653AE1-388A-4007-9638-4A076C3506A5}">
+      <dsp:nvSpPr>
+        <dsp:cNvPr id="0" name=""/>
+        <dsp:cNvSpPr/>
+      </dsp:nvSpPr>
+      <dsp:spPr>
+        <a:xfrm>
+          <a:off x="4913106" y="1536067"/>
+          <a:ext cx="266914" cy="312240"/>
+        </a:xfrm>
+        <a:prstGeom prst="rightArrow">
+          <a:avLst>
+            <a:gd name="adj1" fmla="val 60000"/>
+            <a:gd name="adj2" fmla="val 50000"/>
+          </a:avLst>
+        </a:prstGeom>
+        <a:solidFill>
+          <a:schemeClr val="accent1">
+            <a:tint val="60000"/>
+            <a:hueOff val="0"/>
+            <a:satOff val="0"/>
+            <a:lumOff val="0"/>
+            <a:alphaOff val="0"/>
+          </a:schemeClr>
+        </a:solidFill>
+        <a:ln>
+          <a:noFill/>
+        </a:ln>
+        <a:effectLst/>
+      </dsp:spPr>
+      <dsp:style>
+        <a:lnRef idx="0">
+          <a:scrgbClr r="0" g="0" b="0"/>
+        </a:lnRef>
+        <a:fillRef idx="1">
+          <a:scrgbClr r="0" g="0" b="0"/>
+        </a:fillRef>
+        <a:effectRef idx="0">
+          <a:scrgbClr r="0" g="0" b="0"/>
+        </a:effectRef>
+        <a:fontRef idx="minor">
+          <a:schemeClr val="lt1"/>
+        </a:fontRef>
+      </dsp:style>
+      <dsp:txBody>
+        <a:bodyPr spcFirstLastPara="0" vert="horz" wrap="square" lIns="0" tIns="0" rIns="0" bIns="0" numCol="1" spcCol="1270" anchor="ctr" anchorCtr="0">
+          <a:noAutofit/>
+        </a:bodyPr>
+        <a:lstStyle/>
+        <a:p>
+          <a:pPr lvl="0" algn="ctr" defTabSz="577850">
+            <a:lnSpc>
+              <a:spcPct val="90000"/>
+            </a:lnSpc>
+            <a:spcBef>
+              <a:spcPct val="0"/>
+            </a:spcBef>
+            <a:spcAft>
+              <a:spcPct val="35000"/>
+            </a:spcAft>
+          </a:pPr>
+          <a:endParaRPr lang="en-GB" sz="1300" kern="1200"/>
+        </a:p>
+      </dsp:txBody>
+      <dsp:txXfrm>
+        <a:off x="4913106" y="1598515"/>
+        <a:ext cx="186840" cy="187344"/>
+      </dsp:txXfrm>
+    </dsp:sp>
+    <dsp:sp modelId="{7BF5C6B5-563D-4A44-A7F4-BEEDF57FAE9A}">
+      <dsp:nvSpPr>
+        <dsp:cNvPr id="0" name=""/>
+        <dsp:cNvSpPr/>
+      </dsp:nvSpPr>
+      <dsp:spPr>
+        <a:xfrm>
+          <a:off x="5290815" y="1150705"/>
+          <a:ext cx="1259032" cy="1082964"/>
+        </a:xfrm>
+        <a:prstGeom prst="roundRect">
+          <a:avLst>
+            <a:gd name="adj" fmla="val 10000"/>
+          </a:avLst>
+        </a:prstGeom>
+        <a:solidFill>
+          <a:schemeClr val="accent1">
+            <a:hueOff val="0"/>
+            <a:satOff val="0"/>
+            <a:lumOff val="0"/>
+            <a:alphaOff val="0"/>
+          </a:schemeClr>
+        </a:solidFill>
+        <a:ln w="25400" cap="flat" cmpd="sng" algn="ctr">
+          <a:solidFill>
+            <a:schemeClr val="lt1">
+              <a:hueOff val="0"/>
+              <a:satOff val="0"/>
+              <a:lumOff val="0"/>
+              <a:alphaOff val="0"/>
+            </a:schemeClr>
+          </a:solidFill>
+          <a:prstDash val="solid"/>
+        </a:ln>
+        <a:effectLst/>
+      </dsp:spPr>
+      <dsp:style>
+        <a:lnRef idx="2">
+          <a:scrgbClr r="0" g="0" b="0"/>
+        </a:lnRef>
+        <a:fillRef idx="1">
+          <a:scrgbClr r="0" g="0" b="0"/>
+        </a:fillRef>
+        <a:effectRef idx="0">
+          <a:scrgbClr r="0" g="0" b="0"/>
+        </a:effectRef>
+        <a:fontRef idx="minor">
+          <a:schemeClr val="lt1"/>
+        </a:fontRef>
+      </dsp:style>
+      <dsp:txBody>
+        <a:bodyPr spcFirstLastPara="0" vert="horz" wrap="square" lIns="60960" tIns="60960" rIns="60960" bIns="60960" numCol="1" spcCol="1270" anchor="ctr" anchorCtr="0">
+          <a:noAutofit/>
+        </a:bodyPr>
+        <a:lstStyle/>
+        <a:p>
+          <a:pPr lvl="0" algn="ctr" defTabSz="711200">
+            <a:lnSpc>
+              <a:spcPct val="90000"/>
+            </a:lnSpc>
+            <a:spcBef>
+              <a:spcPct val="0"/>
+            </a:spcBef>
+            <a:spcAft>
+              <a:spcPct val="35000"/>
+            </a:spcAft>
+          </a:pPr>
+          <a:r>
+            <a:rPr lang="sv-SE" sz="1600" kern="1200" dirty="0" smtClean="0"/>
+            <a:t>ASP.NET Identity 2.0 (2014)</a:t>
+          </a:r>
+          <a:endParaRPr lang="en-GB" sz="1600" kern="1200" dirty="0"/>
+        </a:p>
+      </dsp:txBody>
+      <dsp:txXfrm>
+        <a:off x="5322534" y="1182424"/>
+        <a:ext cx="1195594" cy="1019526"/>
+      </dsp:txXfrm>
+    </dsp:sp>
   </dsp:spTree>
 </dsp:drawing>
 </file>
@@ -2512,7 +3035,7 @@
           <a:p>
             <a:fld id="{B5922E6D-3451-482A-A64F-C89F139BA51A}" type="datetimeFigureOut">
               <a:rPr lang="en-US" smtClean="0"/>
-              <a:t>11/20/2014</a:t>
+              <a:t>11/24/2014</a:t>
             </a:fld>
             <a:endParaRPr lang="en-US"/>
           </a:p>
@@ -2677,7 +3200,7 @@
           <a:p>
             <a:fld id="{05247E74-41DE-40FA-A7A7-A655366ADCFA}" type="datetimeFigureOut">
               <a:rPr lang="sv-SE" smtClean="0"/>
-              <a:t>2014-11-20</a:t>
+              <a:t>2014-11-24</a:t>
             </a:fld>
             <a:endParaRPr lang="sv-SE"/>
           </a:p>
@@ -3653,7 +4176,7 @@
           <a:p>
             <a:fld id="{DB41BBF1-8D56-4061-8DE2-461FDAC177EF}" type="datetimeFigureOut">
               <a:rPr lang="sv-SE" smtClean="0"/>
-              <a:t>2014-11-20</a:t>
+              <a:t>2014-11-24</a:t>
             </a:fld>
             <a:endParaRPr lang="sv-SE"/>
           </a:p>
@@ -3917,7 +4440,7 @@
           <a:p>
             <a:fld id="{DB41BBF1-8D56-4061-8DE2-461FDAC177EF}" type="datetimeFigureOut">
               <a:rPr lang="sv-SE" smtClean="0"/>
-              <a:t>2014-11-20</a:t>
+              <a:t>2014-11-24</a:t>
             </a:fld>
             <a:endParaRPr lang="sv-SE"/>
           </a:p>
@@ -4094,7 +4617,7 @@
           <a:p>
             <a:fld id="{DB41BBF1-8D56-4061-8DE2-461FDAC177EF}" type="datetimeFigureOut">
               <a:rPr lang="sv-SE" smtClean="0"/>
-              <a:t>2014-11-20</a:t>
+              <a:t>2014-11-24</a:t>
             </a:fld>
             <a:endParaRPr lang="sv-SE"/>
           </a:p>
@@ -4281,7 +4804,7 @@
           <a:p>
             <a:fld id="{DB41BBF1-8D56-4061-8DE2-461FDAC177EF}" type="datetimeFigureOut">
               <a:rPr lang="sv-SE" smtClean="0"/>
-              <a:t>2014-11-20</a:t>
+              <a:t>2014-11-24</a:t>
             </a:fld>
             <a:endParaRPr lang="sv-SE"/>
           </a:p>
@@ -4545,7 +5068,7 @@
           <a:p>
             <a:fld id="{DB41BBF1-8D56-4061-8DE2-461FDAC177EF}" type="datetimeFigureOut">
               <a:rPr lang="sv-SE" smtClean="0"/>
-              <a:t>2014-11-20</a:t>
+              <a:t>2014-11-24</a:t>
             </a:fld>
             <a:endParaRPr lang="sv-SE"/>
           </a:p>
@@ -4722,7 +5245,7 @@
           <a:p>
             <a:fld id="{DB41BBF1-8D56-4061-8DE2-461FDAC177EF}" type="datetimeFigureOut">
               <a:rPr lang="sv-SE" smtClean="0"/>
-              <a:t>2014-11-20</a:t>
+              <a:t>2014-11-24</a:t>
             </a:fld>
             <a:endParaRPr lang="sv-SE"/>
           </a:p>
@@ -4975,7 +5498,7 @@
           <a:p>
             <a:fld id="{DB41BBF1-8D56-4061-8DE2-461FDAC177EF}" type="datetimeFigureOut">
               <a:rPr lang="sv-SE" smtClean="0"/>
-              <a:t>2014-11-20</a:t>
+              <a:t>2014-11-24</a:t>
             </a:fld>
             <a:endParaRPr lang="sv-SE"/>
           </a:p>
@@ -5270,7 +5793,7 @@
           <a:p>
             <a:fld id="{DB41BBF1-8D56-4061-8DE2-461FDAC177EF}" type="datetimeFigureOut">
               <a:rPr lang="sv-SE" smtClean="0"/>
-              <a:t>2014-11-20</a:t>
+              <a:t>2014-11-24</a:t>
             </a:fld>
             <a:endParaRPr lang="sv-SE"/>
           </a:p>
@@ -5699,7 +6222,7 @@
           <a:p>
             <a:fld id="{DB41BBF1-8D56-4061-8DE2-461FDAC177EF}" type="datetimeFigureOut">
               <a:rPr lang="sv-SE" smtClean="0"/>
-              <a:t>2014-11-20</a:t>
+              <a:t>2014-11-24</a:t>
             </a:fld>
             <a:endParaRPr lang="sv-SE"/>
           </a:p>
@@ -5824,7 +6347,7 @@
           <a:p>
             <a:fld id="{DB41BBF1-8D56-4061-8DE2-461FDAC177EF}" type="datetimeFigureOut">
               <a:rPr lang="sv-SE" smtClean="0"/>
-              <a:t>2014-11-20</a:t>
+              <a:t>2014-11-24</a:t>
             </a:fld>
             <a:endParaRPr lang="sv-SE"/>
           </a:p>
@@ -5926,7 +6449,7 @@
           <a:p>
             <a:fld id="{DB41BBF1-8D56-4061-8DE2-461FDAC177EF}" type="datetimeFigureOut">
               <a:rPr lang="sv-SE" smtClean="0"/>
-              <a:t>2014-11-20</a:t>
+              <a:t>2014-11-24</a:t>
             </a:fld>
             <a:endParaRPr lang="sv-SE"/>
           </a:p>
@@ -6210,7 +6733,7 @@
           <a:p>
             <a:fld id="{DB41BBF1-8D56-4061-8DE2-461FDAC177EF}" type="datetimeFigureOut">
               <a:rPr lang="sv-SE" smtClean="0"/>
-              <a:t>2014-11-20</a:t>
+              <a:t>2014-11-24</a:t>
             </a:fld>
             <a:endParaRPr lang="sv-SE"/>
           </a:p>
@@ -6438,7 +6961,7 @@
           <a:p>
             <a:fld id="{DB41BBF1-8D56-4061-8DE2-461FDAC177EF}" type="datetimeFigureOut">
               <a:rPr lang="sv-SE" smtClean="0"/>
-              <a:t>2014-11-20</a:t>
+              <a:t>2014-11-24</a:t>
             </a:fld>
             <a:endParaRPr lang="sv-SE"/>
           </a:p>
@@ -7048,7 +7571,15 @@
             </a:pPr>
             <a:r>
               <a:rPr lang="en-US" sz="3200" dirty="0" smtClean="0"/>
-              <a:t>ASP.NET Identity works great with following projects in .NET:</a:t>
+              <a:t>ASP.NET Identity </a:t>
+            </a:r>
+            <a:r>
+              <a:rPr lang="en-US" sz="3200" dirty="0" smtClean="0"/>
+              <a:t>supports the following </a:t>
+            </a:r>
+            <a:r>
+              <a:rPr lang="en-US" sz="3200" dirty="0" smtClean="0"/>
+              <a:t>projects in .NET:</a:t>
             </a:r>
           </a:p>
           <a:p>
@@ -7094,6 +7625,13 @@
   <p:clrMapOvr>
     <a:masterClrMapping/>
   </p:clrMapOvr>
+  <p:timing>
+    <p:tnLst>
+      <p:par>
+        <p:cTn id="1" dur="indefinite" restart="never" nodeType="tmRoot"/>
+      </p:par>
+    </p:tnLst>
+  </p:timing>
 </p:sld>
 </file>
 
@@ -7479,6 +8017,13 @@
   <p:clrMapOvr>
     <a:masterClrMapping/>
   </p:clrMapOvr>
+  <p:timing>
+    <p:tnLst>
+      <p:par>
+        <p:cTn id="1" dur="indefinite" restart="never" nodeType="tmRoot"/>
+      </p:par>
+    </p:tnLst>
+  </p:timing>
 </p:sld>
 </file>
 
@@ -7569,6 +8114,13 @@
   <p:clrMapOvr>
     <a:masterClrMapping/>
   </p:clrMapOvr>
+  <p:timing>
+    <p:tnLst>
+      <p:par>
+        <p:cTn id="1" dur="indefinite" restart="never" nodeType="tmRoot"/>
+      </p:par>
+    </p:tnLst>
+  </p:timing>
 </p:sld>
 </file>
 
@@ -7678,6 +8230,13 @@
   <p:clrMapOvr>
     <a:masterClrMapping/>
   </p:clrMapOvr>
+  <p:timing>
+    <p:tnLst>
+      <p:par>
+        <p:cTn id="1" dur="indefinite" restart="never" nodeType="tmRoot"/>
+      </p:par>
+    </p:tnLst>
+  </p:timing>
 </p:sld>
 </file>
 
@@ -7907,6 +8466,13 @@
   <p:clrMapOvr>
     <a:masterClrMapping/>
   </p:clrMapOvr>
+  <p:timing>
+    <p:tnLst>
+      <p:par>
+        <p:cTn id="1" dur="indefinite" restart="never" nodeType="tmRoot"/>
+      </p:par>
+    </p:tnLst>
+  </p:timing>
 </p:sld>
 </file>
 
@@ -7988,26 +8554,54 @@
           <a:p>
             <a:r>
               <a:rPr lang="en-US" sz="2400" dirty="0" smtClean="0"/>
-              <a:t>Forms based authentication.</a:t>
-            </a:r>
-          </a:p>
-          <a:p>
+              <a:t>Forms based </a:t>
+            </a:r>
             <a:r>
               <a:rPr lang="en-US" sz="2400" dirty="0" smtClean="0"/>
-              <a:t>Designed with only SQL servers in mind.</a:t>
-            </a:r>
+              <a:t>authentication</a:t>
+            </a:r>
+            <a:endParaRPr lang="en-US" sz="2400" dirty="0" smtClean="0"/>
           </a:p>
           <a:p>
             <a:r>
               <a:rPr lang="en-US" sz="2400" dirty="0" smtClean="0"/>
-              <a:t>No Owin integration.</a:t>
-            </a:r>
-          </a:p>
-          <a:p>
+              <a:t>Designed with only SQL servers in </a:t>
+            </a:r>
             <a:r>
               <a:rPr lang="en-US" sz="2400" dirty="0" smtClean="0"/>
-              <a:t>No social login providers.</a:t>
-            </a:r>
+              <a:t>mind</a:t>
+            </a:r>
+            <a:endParaRPr lang="en-US" sz="2400" dirty="0" smtClean="0"/>
+          </a:p>
+          <a:p>
+            <a:r>
+              <a:rPr lang="en-US" sz="2400" dirty="0" smtClean="0"/>
+              <a:t>No </a:t>
+            </a:r>
+            <a:r>
+              <a:rPr lang="en-US" sz="2400" dirty="0" err="1" smtClean="0"/>
+              <a:t>Owin</a:t>
+            </a:r>
+            <a:r>
+              <a:rPr lang="en-US" sz="2400" dirty="0" smtClean="0"/>
+              <a:t> </a:t>
+            </a:r>
+            <a:r>
+              <a:rPr lang="en-US" sz="2400" dirty="0" smtClean="0"/>
+              <a:t>integration</a:t>
+            </a:r>
+            <a:endParaRPr lang="en-US" sz="2400" dirty="0" smtClean="0"/>
+          </a:p>
+          <a:p>
+            <a:r>
+              <a:rPr lang="en-US" sz="2400" dirty="0" smtClean="0"/>
+              <a:t>No social login </a:t>
+            </a:r>
+            <a:r>
+              <a:rPr lang="en-US" sz="2400" dirty="0" smtClean="0"/>
+              <a:t>providers</a:t>
+            </a:r>
+            <a:endParaRPr lang="en-US" sz="2400" dirty="0" smtClean="0"/>
           </a:p>
           <a:p>
             <a:r>
@@ -8034,6 +8628,13 @@
   <p:clrMapOvr>
     <a:masterClrMapping/>
   </p:clrMapOvr>
+  <p:timing>
+    <p:tnLst>
+      <p:par>
+        <p:cTn id="1" dur="indefinite" restart="never" nodeType="tmRoot"/>
+      </p:par>
+    </p:tnLst>
+  </p:timing>
 </p:sld>
 </file>
 
@@ -8148,6 +8749,13 @@
   <p:clrMapOvr>
     <a:masterClrMapping/>
   </p:clrMapOvr>
+  <p:timing>
+    <p:tnLst>
+      <p:par>
+        <p:cTn id="1" dur="indefinite" restart="never" nodeType="tmRoot"/>
+      </p:par>
+    </p:tnLst>
+  </p:timing>
 </p:sld>
 </file>
 
@@ -8286,6 +8894,13 @@
   <p:clrMapOvr>
     <a:masterClrMapping/>
   </p:clrMapOvr>
+  <p:timing>
+    <p:tnLst>
+      <p:par>
+        <p:cTn id="1" dur="indefinite" restart="never" nodeType="tmRoot"/>
+      </p:par>
+    </p:tnLst>
+  </p:timing>
 </p:sld>
 </file>
 
@@ -8418,6 +9033,13 @@
   <p:clrMapOvr>
     <a:masterClrMapping/>
   </p:clrMapOvr>
+  <p:timing>
+    <p:tnLst>
+      <p:par>
+        <p:cTn id="1" dur="indefinite" restart="never" nodeType="tmRoot"/>
+      </p:par>
+    </p:tnLst>
+  </p:timing>
 </p:sld>
 </file>
 
@@ -8768,6 +9390,36 @@
               <a:rPr lang="en-US" sz="2400" dirty="0" smtClean="0"/>
               <a:t> </a:t>
             </a:r>
+            <a:endParaRPr lang="en-US" sz="2400" dirty="0" smtClean="0"/>
+          </a:p>
+          <a:p>
+            <a:r>
+              <a:rPr lang="en-US" sz="2400" dirty="0" smtClean="0"/>
+              <a:t>Kevin Junghans (Blog)</a:t>
+            </a:r>
+            <a:r>
+              <a:rPr lang="en-US" sz="2400" dirty="0"/>
+              <a:t/>
+            </a:r>
+            <a:br>
+              <a:rPr lang="en-US" sz="2400" dirty="0"/>
+            </a:br>
+            <a:r>
+              <a:rPr lang="en-US" sz="2400" dirty="0">
+                <a:hlinkClick r:id="rId6"/>
+              </a:rPr>
+              <a:t>http://</a:t>
+            </a:r>
+            <a:r>
+              <a:rPr lang="en-US" sz="2400" dirty="0" smtClean="0">
+                <a:hlinkClick r:id="rId6"/>
+              </a:rPr>
+              <a:t>kevin-junghans.blogspot.se/2013/12/using-claims-in-aspnet-identity.html</a:t>
+            </a:r>
+            <a:r>
+              <a:rPr lang="en-US" sz="2400" dirty="0" smtClean="0"/>
+              <a:t> </a:t>
+            </a:r>
             <a:r>
               <a:rPr lang="en-GB" dirty="0" smtClean="0"/>
               <a:t/>
@@ -8795,6 +9447,13 @@
   <p:clrMapOvr>
     <a:masterClrMapping/>
   </p:clrMapOvr>
+  <p:timing>
+    <p:tnLst>
+      <p:par>
+        <p:cTn id="1" dur="indefinite" restart="never" nodeType="tmRoot"/>
+      </p:par>
+    </p:tnLst>
+  </p:timing>
 </p:sld>
 </file>
 
@@ -8848,7 +9507,12 @@
             <p:ph idx="1"/>
           </p:nvPr>
         </p:nvSpPr>
-        <p:spPr/>
+        <p:spPr>
+          <a:xfrm>
+            <a:off x="457200" y="692696"/>
+            <a:ext cx="8229600" cy="5433467"/>
+          </a:xfrm>
+        </p:spPr>
         <p:txBody>
           <a:bodyPr/>
           <a:lstStyle/>
@@ -8861,6 +9525,56 @@
               <a:rPr lang="en-GB" dirty="0" smtClean="0"/>
               <a:t>Platform</a:t>
             </a:r>
+          </a:p>
+          <a:p>
+            <a:endParaRPr lang="en-GB" dirty="0"/>
+          </a:p>
+          <a:p>
+            <a:endParaRPr lang="en-GB" dirty="0" smtClean="0"/>
+          </a:p>
+          <a:p>
+            <a:endParaRPr lang="en-GB" dirty="0"/>
+          </a:p>
+          <a:p>
+            <a:endParaRPr lang="en-GB" dirty="0" smtClean="0"/>
+          </a:p>
+          <a:p>
+            <a:r>
+              <a:rPr lang="en-GB" dirty="0" smtClean="0"/>
+              <a:t>A Guide to Claims-Based Identity And </a:t>
+            </a:r>
+            <a:r>
+              <a:rPr lang="en-GB" dirty="0"/>
+              <a:t>Access </a:t>
+            </a:r>
+            <a:r>
+              <a:rPr lang="en-GB" dirty="0" smtClean="0"/>
+              <a:t>Control</a:t>
+            </a:r>
+            <a:r>
+              <a:rPr lang="en-GB" dirty="0"/>
+              <a:t/>
+            </a:r>
+            <a:br>
+              <a:rPr lang="en-GB" dirty="0"/>
+            </a:br>
+            <a:r>
+              <a:rPr lang="en-GB" sz="1800" dirty="0">
+                <a:hlinkClick r:id="rId2"/>
+              </a:rPr>
+              <a:t>http://</a:t>
+            </a:r>
+            <a:r>
+              <a:rPr lang="en-GB" sz="1800" dirty="0" smtClean="0">
+                <a:hlinkClick r:id="rId2"/>
+              </a:rPr>
+              <a:t>msdn.microsoft.com/en-us/library/ff359102.aspx</a:t>
+            </a:r>
+            <a:r>
+              <a:rPr lang="en-GB" sz="1800" dirty="0" smtClean="0"/>
+              <a:t> (Digital Download)</a:t>
+            </a:r>
+            <a:endParaRPr lang="en-GB" sz="1800" dirty="0" smtClean="0"/>
           </a:p>
           <a:p>
             <a:pPr marL="0" indent="0">
@@ -8879,7 +9593,7 @@
           <p:nvPr/>
         </p:nvPicPr>
         <p:blipFill>
-          <a:blip r:embed="rId2" cstate="print">
+          <a:blip r:embed="rId3" cstate="print">
             <a:extLst>
               <a:ext uri="{28A0092B-C50C-407E-A947-70E740481C1C}">
                 <a14:useLocalDpi xmlns:a14="http://schemas.microsoft.com/office/drawing/2010/main" val="0"/>
@@ -8893,8 +9607,49 @@
         </p:blipFill>
         <p:spPr bwMode="auto">
           <a:xfrm>
-            <a:off x="899592" y="2276872"/>
+            <a:off x="892067" y="1268760"/>
             <a:ext cx="1519693" cy="1872208"/>
+          </a:xfrm>
+          <a:prstGeom prst="rect">
+            <a:avLst/>
+          </a:prstGeom>
+          <a:noFill/>
+          <a:extLst>
+            <a:ext uri="{909E8E84-426E-40DD-AFC4-6F175D3DCCD1}">
+              <a14:hiddenFill xmlns:a14="http://schemas.microsoft.com/office/drawing/2010/main">
+                <a:solidFill>
+                  <a:srgbClr val="FFFFFF"/>
+                </a:solidFill>
+              </a14:hiddenFill>
+            </a:ext>
+          </a:extLst>
+        </p:spPr>
+      </p:pic>
+      <p:pic>
+        <p:nvPicPr>
+          <p:cNvPr id="1026" name="Picture 2" descr="http://s.cdon.com/media-dynamic/images/product/00/09/07/63/32/3/baier-dominick-guide-to-claims-based-identity-and-access-control.jpg"/>
+          <p:cNvPicPr>
+            <a:picLocks noChangeAspect="1" noChangeArrowheads="1"/>
+          </p:cNvPicPr>
+          <p:nvPr/>
+        </p:nvPicPr>
+        <p:blipFill>
+          <a:blip r:embed="rId4" cstate="print">
+            <a:extLst>
+              <a:ext uri="{28A0092B-C50C-407E-A947-70E740481C1C}">
+                <a14:useLocalDpi xmlns:a14="http://schemas.microsoft.com/office/drawing/2010/main" val="0"/>
+              </a:ext>
+            </a:extLst>
+          </a:blip>
+          <a:srcRect/>
+          <a:stretch>
+            <a:fillRect/>
+          </a:stretch>
+        </p:blipFill>
+        <p:spPr bwMode="auto">
+          <a:xfrm>
+            <a:off x="879675" y="4253955"/>
+            <a:ext cx="1532085" cy="1872208"/>
           </a:xfrm>
           <a:prstGeom prst="rect">
             <a:avLst/>
@@ -8921,6 +9676,13 @@
   <p:clrMapOvr>
     <a:masterClrMapping/>
   </p:clrMapOvr>
+  <p:timing>
+    <p:tnLst>
+      <p:par>
+        <p:cTn id="1" dur="indefinite" restart="never" nodeType="tmRoot"/>
+      </p:par>
+    </p:tnLst>
+  </p:timing>
 </p:sld>
 </file>
 
@@ -9010,8 +9772,16 @@
               <a:buNone/>
             </a:pPr>
             <a:r>
+              <a:rPr lang="en-GB" sz="3200" dirty="0"/>
+              <a:t>R</a:t>
+            </a:r>
+            <a:r>
               <a:rPr lang="en-GB" sz="3200" dirty="0" smtClean="0"/>
-              <a:t>It also relieves the developers from creating a new user management system for every new application.</a:t>
+              <a:t>elieves </a:t>
+            </a:r>
+            <a:r>
+              <a:rPr lang="en-GB" sz="3200" dirty="0" smtClean="0"/>
+              <a:t>the developers from creating a new user management system for every new application.</a:t>
             </a:r>
           </a:p>
           <a:p>
@@ -9025,8 +9795,16 @@
               <a:buNone/>
             </a:pPr>
             <a:r>
+              <a:rPr lang="en-GB" sz="3200" dirty="0"/>
+              <a:t>A</a:t>
+            </a:r>
+            <a:r>
               <a:rPr lang="en-GB" sz="3200" dirty="0" smtClean="0"/>
-              <a:t>Giving us a framework for creating secure and modern security solutions.</a:t>
+              <a:t> </a:t>
+            </a:r>
+            <a:r>
+              <a:rPr lang="en-GB" sz="3200" dirty="0" smtClean="0"/>
+              <a:t>framework for creating secure and modern security solutions.</a:t>
             </a:r>
           </a:p>
           <a:p>
@@ -9053,6 +9831,13 @@
   <p:clrMapOvr>
     <a:masterClrMapping/>
   </p:clrMapOvr>
+  <p:timing>
+    <p:tnLst>
+      <p:par>
+        <p:cTn id="1" dur="indefinite" restart="never" nodeType="tmRoot"/>
+      </p:par>
+    </p:tnLst>
+  </p:timing>
 </p:sld>
 </file>
 
@@ -9123,6 +9908,13 @@
   <p:clrMapOvr>
     <a:masterClrMapping/>
   </p:clrMapOvr>
+  <p:timing>
+    <p:tnLst>
+      <p:par>
+        <p:cTn id="1" dur="indefinite" restart="never" nodeType="tmRoot"/>
+      </p:par>
+    </p:tnLst>
+  </p:timing>
 </p:sld>
 </file>
 
@@ -9281,6 +10073,13 @@
   <p:clrMapOvr>
     <a:masterClrMapping/>
   </p:clrMapOvr>
+  <p:timing>
+    <p:tnLst>
+      <p:par>
+        <p:cTn id="1" dur="indefinite" restart="never" nodeType="tmRoot"/>
+      </p:par>
+    </p:tnLst>
+  </p:timing>
 </p:sld>
 </file>
 
@@ -9353,7 +10152,15 @@
             </a:pPr>
             <a:r>
               <a:rPr lang="en-GB" dirty="0" smtClean="0"/>
-              <a:t>ASP.NET Identity supports delegated authorization, using for example OAuth which grant you:</a:t>
+              <a:t>ASP.NET Identity supports delegated authorization, using </a:t>
+            </a:r>
+            <a:r>
+              <a:rPr lang="en-GB" dirty="0" smtClean="0"/>
+              <a:t>OAuth </a:t>
+            </a:r>
+            <a:r>
+              <a:rPr lang="en-GB" dirty="0" smtClean="0"/>
+              <a:t>which grant you:</a:t>
             </a:r>
           </a:p>
           <a:p>
@@ -9412,6 +10219,13 @@
   <p:clrMapOvr>
     <a:masterClrMapping/>
   </p:clrMapOvr>
+  <p:timing>
+    <p:tnLst>
+      <p:par>
+        <p:cTn id="1" dur="indefinite" restart="never" nodeType="tmRoot"/>
+      </p:par>
+    </p:tnLst>
+  </p:timing>
 </p:sld>
 </file>
 
@@ -9854,7 +10668,7 @@
         <p:spPr>
           <a:xfrm>
             <a:off x="412942" y="4283804"/>
-            <a:ext cx="1926810" cy="369332"/>
+            <a:ext cx="1952458" cy="369332"/>
           </a:xfrm>
           <a:prstGeom prst="rect">
             <a:avLst/>
@@ -9869,7 +10683,15 @@
           <a:p>
             <a:r>
               <a:rPr lang="en-US" dirty="0" smtClean="0"/>
-              <a:t>4 user Information</a:t>
+              <a:t>4 </a:t>
+            </a:r>
+            <a:r>
+              <a:rPr lang="en-US" dirty="0" smtClean="0"/>
+              <a:t>User </a:t>
+            </a:r>
+            <a:r>
+              <a:rPr lang="en-US" dirty="0" smtClean="0"/>
+              <a:t>Information</a:t>
             </a:r>
             <a:endParaRPr lang="en-US" dirty="0"/>
           </a:p>
@@ -9885,6 +10707,13 @@
   <p:clrMapOvr>
     <a:masterClrMapping/>
   </p:clrMapOvr>
+  <p:timing>
+    <p:tnLst>
+      <p:par>
+        <p:cTn id="1" dur="indefinite" restart="never" nodeType="tmRoot"/>
+      </p:par>
+    </p:tnLst>
+  </p:timing>
 </p:sld>
 </file>
 
@@ -9974,7 +10803,15 @@
             </a:pPr>
             <a:r>
               <a:rPr lang="en-US" sz="3200" dirty="0" smtClean="0"/>
-              <a:t>Gives the developer the option to Create:</a:t>
+              <a:t>Gives the developer the option to </a:t>
+            </a:r>
+            <a:r>
+              <a:rPr lang="en-US" sz="3200" dirty="0" smtClean="0"/>
+              <a:t>create</a:t>
+            </a:r>
+            <a:r>
+              <a:rPr lang="en-US" sz="3200" dirty="0" smtClean="0"/>
+              <a:t>:</a:t>
             </a:r>
           </a:p>
           <a:p>
@@ -10038,6 +10875,13 @@
   <p:clrMapOvr>
     <a:masterClrMapping/>
   </p:clrMapOvr>
+  <p:timing>
+    <p:tnLst>
+      <p:par>
+        <p:cTn id="1" dur="indefinite" restart="never" nodeType="tmRoot"/>
+      </p:par>
+    </p:tnLst>
+  </p:timing>
 </p:sld>
 </file>
 

--- a/Documents/Slides/Identity-Introduction.pptx
+++ b/Documents/Slides/Identity-Introduction.pptx
@@ -1246,529 +1246,6 @@
       <dsp:cNvGrpSpPr/>
     </dsp:nvGrpSpPr>
     <dsp:grpSpPr/>
-    <dsp:sp modelId="{5ADC101B-D0AF-4253-90C2-A65DAB022F0F}">
-      <dsp:nvSpPr>
-        <dsp:cNvPr id="0" name=""/>
-        <dsp:cNvSpPr/>
-      </dsp:nvSpPr>
-      <dsp:spPr>
-        <a:xfrm>
-          <a:off x="2879" y="1150705"/>
-          <a:ext cx="1259032" cy="1082964"/>
-        </a:xfrm>
-        <a:prstGeom prst="roundRect">
-          <a:avLst>
-            <a:gd name="adj" fmla="val 10000"/>
-          </a:avLst>
-        </a:prstGeom>
-        <a:solidFill>
-          <a:schemeClr val="accent1">
-            <a:hueOff val="0"/>
-            <a:satOff val="0"/>
-            <a:lumOff val="0"/>
-            <a:alphaOff val="0"/>
-          </a:schemeClr>
-        </a:solidFill>
-        <a:ln w="25400" cap="flat" cmpd="sng" algn="ctr">
-          <a:solidFill>
-            <a:schemeClr val="lt1">
-              <a:hueOff val="0"/>
-              <a:satOff val="0"/>
-              <a:lumOff val="0"/>
-              <a:alphaOff val="0"/>
-            </a:schemeClr>
-          </a:solidFill>
-          <a:prstDash val="solid"/>
-        </a:ln>
-        <a:effectLst/>
-      </dsp:spPr>
-      <dsp:style>
-        <a:lnRef idx="2">
-          <a:scrgbClr r="0" g="0" b="0"/>
-        </a:lnRef>
-        <a:fillRef idx="1">
-          <a:scrgbClr r="0" g="0" b="0"/>
-        </a:fillRef>
-        <a:effectRef idx="0">
-          <a:scrgbClr r="0" g="0" b="0"/>
-        </a:effectRef>
-        <a:fontRef idx="minor">
-          <a:schemeClr val="lt1"/>
-        </a:fontRef>
-      </dsp:style>
-      <dsp:txBody>
-        <a:bodyPr spcFirstLastPara="0" vert="horz" wrap="square" lIns="60960" tIns="60960" rIns="60960" bIns="60960" numCol="1" spcCol="1270" anchor="ctr" anchorCtr="0">
-          <a:noAutofit/>
-        </a:bodyPr>
-        <a:lstStyle/>
-        <a:p>
-          <a:pPr lvl="0" algn="ctr" defTabSz="711200">
-            <a:lnSpc>
-              <a:spcPct val="90000"/>
-            </a:lnSpc>
-            <a:spcBef>
-              <a:spcPct val="0"/>
-            </a:spcBef>
-            <a:spcAft>
-              <a:spcPct val="35000"/>
-            </a:spcAft>
-          </a:pPr>
-          <a:r>
-            <a:rPr lang="sv-SE" sz="1600" kern="1200" dirty="0" smtClean="0"/>
-            <a:t>ASP.NET Membership (2005)</a:t>
-          </a:r>
-          <a:endParaRPr lang="en-GB" sz="1600" kern="1200" dirty="0"/>
-        </a:p>
-      </dsp:txBody>
-      <dsp:txXfrm>
-        <a:off x="34598" y="1182424"/>
-        <a:ext cx="1195594" cy="1019526"/>
-      </dsp:txXfrm>
-    </dsp:sp>
-    <dsp:sp modelId="{391A8D43-E6A1-4850-A09F-0E7F1DE7011B}">
-      <dsp:nvSpPr>
-        <dsp:cNvPr id="0" name=""/>
-        <dsp:cNvSpPr/>
-      </dsp:nvSpPr>
-      <dsp:spPr>
-        <a:xfrm>
-          <a:off x="1387815" y="1536067"/>
-          <a:ext cx="266914" cy="312240"/>
-        </a:xfrm>
-        <a:prstGeom prst="rightArrow">
-          <a:avLst>
-            <a:gd name="adj1" fmla="val 60000"/>
-            <a:gd name="adj2" fmla="val 50000"/>
-          </a:avLst>
-        </a:prstGeom>
-        <a:solidFill>
-          <a:schemeClr val="accent1">
-            <a:tint val="60000"/>
-            <a:hueOff val="0"/>
-            <a:satOff val="0"/>
-            <a:lumOff val="0"/>
-            <a:alphaOff val="0"/>
-          </a:schemeClr>
-        </a:solidFill>
-        <a:ln>
-          <a:noFill/>
-        </a:ln>
-        <a:effectLst/>
-      </dsp:spPr>
-      <dsp:style>
-        <a:lnRef idx="0">
-          <a:scrgbClr r="0" g="0" b="0"/>
-        </a:lnRef>
-        <a:fillRef idx="1">
-          <a:scrgbClr r="0" g="0" b="0"/>
-        </a:fillRef>
-        <a:effectRef idx="0">
-          <a:scrgbClr r="0" g="0" b="0"/>
-        </a:effectRef>
-        <a:fontRef idx="minor">
-          <a:schemeClr val="lt1"/>
-        </a:fontRef>
-      </dsp:style>
-      <dsp:txBody>
-        <a:bodyPr spcFirstLastPara="0" vert="horz" wrap="square" lIns="0" tIns="0" rIns="0" bIns="0" numCol="1" spcCol="1270" anchor="ctr" anchorCtr="0">
-          <a:noAutofit/>
-        </a:bodyPr>
-        <a:lstStyle/>
-        <a:p>
-          <a:pPr lvl="0" algn="ctr" defTabSz="577850">
-            <a:lnSpc>
-              <a:spcPct val="90000"/>
-            </a:lnSpc>
-            <a:spcBef>
-              <a:spcPct val="0"/>
-            </a:spcBef>
-            <a:spcAft>
-              <a:spcPct val="35000"/>
-            </a:spcAft>
-          </a:pPr>
-          <a:endParaRPr lang="en-GB" sz="1300" kern="1200"/>
-        </a:p>
-      </dsp:txBody>
-      <dsp:txXfrm>
-        <a:off x="1387815" y="1598515"/>
-        <a:ext cx="186840" cy="187344"/>
-      </dsp:txXfrm>
-    </dsp:sp>
-    <dsp:sp modelId="{6F616B3C-970A-45F0-9F45-1938F827806B}">
-      <dsp:nvSpPr>
-        <dsp:cNvPr id="0" name=""/>
-        <dsp:cNvSpPr/>
-      </dsp:nvSpPr>
-      <dsp:spPr>
-        <a:xfrm>
-          <a:off x="1765525" y="1150705"/>
-          <a:ext cx="1259032" cy="1082964"/>
-        </a:xfrm>
-        <a:prstGeom prst="roundRect">
-          <a:avLst>
-            <a:gd name="adj" fmla="val 10000"/>
-          </a:avLst>
-        </a:prstGeom>
-        <a:solidFill>
-          <a:schemeClr val="accent1">
-            <a:hueOff val="0"/>
-            <a:satOff val="0"/>
-            <a:lumOff val="0"/>
-            <a:alphaOff val="0"/>
-          </a:schemeClr>
-        </a:solidFill>
-        <a:ln w="25400" cap="flat" cmpd="sng" algn="ctr">
-          <a:solidFill>
-            <a:schemeClr val="lt1">
-              <a:hueOff val="0"/>
-              <a:satOff val="0"/>
-              <a:lumOff val="0"/>
-              <a:alphaOff val="0"/>
-            </a:schemeClr>
-          </a:solidFill>
-          <a:prstDash val="solid"/>
-        </a:ln>
-        <a:effectLst/>
-      </dsp:spPr>
-      <dsp:style>
-        <a:lnRef idx="2">
-          <a:scrgbClr r="0" g="0" b="0"/>
-        </a:lnRef>
-        <a:fillRef idx="1">
-          <a:scrgbClr r="0" g="0" b="0"/>
-        </a:fillRef>
-        <a:effectRef idx="0">
-          <a:scrgbClr r="0" g="0" b="0"/>
-        </a:effectRef>
-        <a:fontRef idx="minor">
-          <a:schemeClr val="lt1"/>
-        </a:fontRef>
-      </dsp:style>
-      <dsp:txBody>
-        <a:bodyPr spcFirstLastPara="0" vert="horz" wrap="square" lIns="60960" tIns="60960" rIns="60960" bIns="60960" numCol="1" spcCol="1270" anchor="ctr" anchorCtr="0">
-          <a:noAutofit/>
-        </a:bodyPr>
-        <a:lstStyle/>
-        <a:p>
-          <a:pPr lvl="0" algn="ctr" defTabSz="711200">
-            <a:lnSpc>
-              <a:spcPct val="90000"/>
-            </a:lnSpc>
-            <a:spcBef>
-              <a:spcPct val="0"/>
-            </a:spcBef>
-            <a:spcAft>
-              <a:spcPct val="35000"/>
-            </a:spcAft>
-          </a:pPr>
-          <a:r>
-            <a:rPr lang="sv-SE" sz="1600" kern="1200" dirty="0" smtClean="0"/>
-            <a:t>ASP.NET Simple Membership (2010)</a:t>
-          </a:r>
-          <a:endParaRPr lang="en-GB" sz="1600" kern="1200" dirty="0"/>
-        </a:p>
-      </dsp:txBody>
-      <dsp:txXfrm>
-        <a:off x="1797244" y="1182424"/>
-        <a:ext cx="1195594" cy="1019526"/>
-      </dsp:txXfrm>
-    </dsp:sp>
-    <dsp:sp modelId="{384C819D-8603-41A2-A152-FAF56755E81F}">
-      <dsp:nvSpPr>
-        <dsp:cNvPr id="0" name=""/>
-        <dsp:cNvSpPr/>
-      </dsp:nvSpPr>
-      <dsp:spPr>
-        <a:xfrm>
-          <a:off x="3150460" y="1536067"/>
-          <a:ext cx="266914" cy="312240"/>
-        </a:xfrm>
-        <a:prstGeom prst="rightArrow">
-          <a:avLst>
-            <a:gd name="adj1" fmla="val 60000"/>
-            <a:gd name="adj2" fmla="val 50000"/>
-          </a:avLst>
-        </a:prstGeom>
-        <a:solidFill>
-          <a:schemeClr val="accent1">
-            <a:tint val="60000"/>
-            <a:hueOff val="0"/>
-            <a:satOff val="0"/>
-            <a:lumOff val="0"/>
-            <a:alphaOff val="0"/>
-          </a:schemeClr>
-        </a:solidFill>
-        <a:ln>
-          <a:noFill/>
-        </a:ln>
-        <a:effectLst/>
-      </dsp:spPr>
-      <dsp:style>
-        <a:lnRef idx="0">
-          <a:scrgbClr r="0" g="0" b="0"/>
-        </a:lnRef>
-        <a:fillRef idx="1">
-          <a:scrgbClr r="0" g="0" b="0"/>
-        </a:fillRef>
-        <a:effectRef idx="0">
-          <a:scrgbClr r="0" g="0" b="0"/>
-        </a:effectRef>
-        <a:fontRef idx="minor">
-          <a:schemeClr val="lt1"/>
-        </a:fontRef>
-      </dsp:style>
-      <dsp:txBody>
-        <a:bodyPr spcFirstLastPara="0" vert="horz" wrap="square" lIns="0" tIns="0" rIns="0" bIns="0" numCol="1" spcCol="1270" anchor="ctr" anchorCtr="0">
-          <a:noAutofit/>
-        </a:bodyPr>
-        <a:lstStyle/>
-        <a:p>
-          <a:pPr lvl="0" algn="ctr" defTabSz="577850">
-            <a:lnSpc>
-              <a:spcPct val="90000"/>
-            </a:lnSpc>
-            <a:spcBef>
-              <a:spcPct val="0"/>
-            </a:spcBef>
-            <a:spcAft>
-              <a:spcPct val="35000"/>
-            </a:spcAft>
-          </a:pPr>
-          <a:endParaRPr lang="en-GB" sz="1300" kern="1200"/>
-        </a:p>
-      </dsp:txBody>
-      <dsp:txXfrm>
-        <a:off x="3150460" y="1598515"/>
-        <a:ext cx="186840" cy="187344"/>
-      </dsp:txXfrm>
-    </dsp:sp>
-    <dsp:sp modelId="{AB766A71-B336-464B-9348-3E68D43338B8}">
-      <dsp:nvSpPr>
-        <dsp:cNvPr id="0" name=""/>
-        <dsp:cNvSpPr/>
-      </dsp:nvSpPr>
-      <dsp:spPr>
-        <a:xfrm>
-          <a:off x="3528170" y="1150705"/>
-          <a:ext cx="1259032" cy="1082964"/>
-        </a:xfrm>
-        <a:prstGeom prst="roundRect">
-          <a:avLst>
-            <a:gd name="adj" fmla="val 10000"/>
-          </a:avLst>
-        </a:prstGeom>
-        <a:solidFill>
-          <a:schemeClr val="accent1">
-            <a:hueOff val="0"/>
-            <a:satOff val="0"/>
-            <a:lumOff val="0"/>
-            <a:alphaOff val="0"/>
-          </a:schemeClr>
-        </a:solidFill>
-        <a:ln w="25400" cap="flat" cmpd="sng" algn="ctr">
-          <a:solidFill>
-            <a:schemeClr val="lt1">
-              <a:hueOff val="0"/>
-              <a:satOff val="0"/>
-              <a:lumOff val="0"/>
-              <a:alphaOff val="0"/>
-            </a:schemeClr>
-          </a:solidFill>
-          <a:prstDash val="solid"/>
-        </a:ln>
-        <a:effectLst/>
-      </dsp:spPr>
-      <dsp:style>
-        <a:lnRef idx="2">
-          <a:scrgbClr r="0" g="0" b="0"/>
-        </a:lnRef>
-        <a:fillRef idx="1">
-          <a:scrgbClr r="0" g="0" b="0"/>
-        </a:fillRef>
-        <a:effectRef idx="0">
-          <a:scrgbClr r="0" g="0" b="0"/>
-        </a:effectRef>
-        <a:fontRef idx="minor">
-          <a:schemeClr val="lt1"/>
-        </a:fontRef>
-      </dsp:style>
-      <dsp:txBody>
-        <a:bodyPr spcFirstLastPara="0" vert="horz" wrap="square" lIns="60960" tIns="60960" rIns="60960" bIns="60960" numCol="1" spcCol="1270" anchor="ctr" anchorCtr="0">
-          <a:noAutofit/>
-        </a:bodyPr>
-        <a:lstStyle/>
-        <a:p>
-          <a:pPr lvl="0" algn="ctr" defTabSz="711200">
-            <a:lnSpc>
-              <a:spcPct val="90000"/>
-            </a:lnSpc>
-            <a:spcBef>
-              <a:spcPct val="0"/>
-            </a:spcBef>
-            <a:spcAft>
-              <a:spcPct val="35000"/>
-            </a:spcAft>
-          </a:pPr>
-          <a:r>
-            <a:rPr lang="sv-SE" sz="1600" kern="1200" dirty="0" smtClean="0"/>
-            <a:t>ASP.NET Identity 1.0 (2013)</a:t>
-          </a:r>
-          <a:endParaRPr lang="en-GB" sz="1600" kern="1200" dirty="0"/>
-        </a:p>
-      </dsp:txBody>
-      <dsp:txXfrm>
-        <a:off x="3559889" y="1182424"/>
-        <a:ext cx="1195594" cy="1019526"/>
-      </dsp:txXfrm>
-    </dsp:sp>
-    <dsp:sp modelId="{27653AE1-388A-4007-9638-4A076C3506A5}">
-      <dsp:nvSpPr>
-        <dsp:cNvPr id="0" name=""/>
-        <dsp:cNvSpPr/>
-      </dsp:nvSpPr>
-      <dsp:spPr>
-        <a:xfrm>
-          <a:off x="4913106" y="1536067"/>
-          <a:ext cx="266914" cy="312240"/>
-        </a:xfrm>
-        <a:prstGeom prst="rightArrow">
-          <a:avLst>
-            <a:gd name="adj1" fmla="val 60000"/>
-            <a:gd name="adj2" fmla="val 50000"/>
-          </a:avLst>
-        </a:prstGeom>
-        <a:solidFill>
-          <a:schemeClr val="accent1">
-            <a:tint val="60000"/>
-            <a:hueOff val="0"/>
-            <a:satOff val="0"/>
-            <a:lumOff val="0"/>
-            <a:alphaOff val="0"/>
-          </a:schemeClr>
-        </a:solidFill>
-        <a:ln>
-          <a:noFill/>
-        </a:ln>
-        <a:effectLst/>
-      </dsp:spPr>
-      <dsp:style>
-        <a:lnRef idx="0">
-          <a:scrgbClr r="0" g="0" b="0"/>
-        </a:lnRef>
-        <a:fillRef idx="1">
-          <a:scrgbClr r="0" g="0" b="0"/>
-        </a:fillRef>
-        <a:effectRef idx="0">
-          <a:scrgbClr r="0" g="0" b="0"/>
-        </a:effectRef>
-        <a:fontRef idx="minor">
-          <a:schemeClr val="lt1"/>
-        </a:fontRef>
-      </dsp:style>
-      <dsp:txBody>
-        <a:bodyPr spcFirstLastPara="0" vert="horz" wrap="square" lIns="0" tIns="0" rIns="0" bIns="0" numCol="1" spcCol="1270" anchor="ctr" anchorCtr="0">
-          <a:noAutofit/>
-        </a:bodyPr>
-        <a:lstStyle/>
-        <a:p>
-          <a:pPr lvl="0" algn="ctr" defTabSz="577850">
-            <a:lnSpc>
-              <a:spcPct val="90000"/>
-            </a:lnSpc>
-            <a:spcBef>
-              <a:spcPct val="0"/>
-            </a:spcBef>
-            <a:spcAft>
-              <a:spcPct val="35000"/>
-            </a:spcAft>
-          </a:pPr>
-          <a:endParaRPr lang="en-GB" sz="1300" kern="1200"/>
-        </a:p>
-      </dsp:txBody>
-      <dsp:txXfrm>
-        <a:off x="4913106" y="1598515"/>
-        <a:ext cx="186840" cy="187344"/>
-      </dsp:txXfrm>
-    </dsp:sp>
-    <dsp:sp modelId="{7BF5C6B5-563D-4A44-A7F4-BEEDF57FAE9A}">
-      <dsp:nvSpPr>
-        <dsp:cNvPr id="0" name=""/>
-        <dsp:cNvSpPr/>
-      </dsp:nvSpPr>
-      <dsp:spPr>
-        <a:xfrm>
-          <a:off x="5290815" y="1150705"/>
-          <a:ext cx="1259032" cy="1082964"/>
-        </a:xfrm>
-        <a:prstGeom prst="roundRect">
-          <a:avLst>
-            <a:gd name="adj" fmla="val 10000"/>
-          </a:avLst>
-        </a:prstGeom>
-        <a:solidFill>
-          <a:schemeClr val="accent1">
-            <a:hueOff val="0"/>
-            <a:satOff val="0"/>
-            <a:lumOff val="0"/>
-            <a:alphaOff val="0"/>
-          </a:schemeClr>
-        </a:solidFill>
-        <a:ln w="25400" cap="flat" cmpd="sng" algn="ctr">
-          <a:solidFill>
-            <a:schemeClr val="lt1">
-              <a:hueOff val="0"/>
-              <a:satOff val="0"/>
-              <a:lumOff val="0"/>
-              <a:alphaOff val="0"/>
-            </a:schemeClr>
-          </a:solidFill>
-          <a:prstDash val="solid"/>
-        </a:ln>
-        <a:effectLst/>
-      </dsp:spPr>
-      <dsp:style>
-        <a:lnRef idx="2">
-          <a:scrgbClr r="0" g="0" b="0"/>
-        </a:lnRef>
-        <a:fillRef idx="1">
-          <a:scrgbClr r="0" g="0" b="0"/>
-        </a:fillRef>
-        <a:effectRef idx="0">
-          <a:scrgbClr r="0" g="0" b="0"/>
-        </a:effectRef>
-        <a:fontRef idx="minor">
-          <a:schemeClr val="lt1"/>
-        </a:fontRef>
-      </dsp:style>
-      <dsp:txBody>
-        <a:bodyPr spcFirstLastPara="0" vert="horz" wrap="square" lIns="60960" tIns="60960" rIns="60960" bIns="60960" numCol="1" spcCol="1270" anchor="ctr" anchorCtr="0">
-          <a:noAutofit/>
-        </a:bodyPr>
-        <a:lstStyle/>
-        <a:p>
-          <a:pPr lvl="0" algn="ctr" defTabSz="711200">
-            <a:lnSpc>
-              <a:spcPct val="90000"/>
-            </a:lnSpc>
-            <a:spcBef>
-              <a:spcPct val="0"/>
-            </a:spcBef>
-            <a:spcAft>
-              <a:spcPct val="35000"/>
-            </a:spcAft>
-          </a:pPr>
-          <a:r>
-            <a:rPr lang="sv-SE" sz="1600" kern="1200" dirty="0" smtClean="0"/>
-            <a:t>ASP.NET Identity 2.0 (2014)</a:t>
-          </a:r>
-          <a:endParaRPr lang="en-GB" sz="1600" kern="1200" dirty="0"/>
-        </a:p>
-      </dsp:txBody>
-      <dsp:txXfrm>
-        <a:off x="5322534" y="1182424"/>
-        <a:ext cx="1195594" cy="1019526"/>
-      </dsp:txXfrm>
-    </dsp:sp>
   </dsp:spTree>
 </dsp:drawing>
 </file>
@@ -3035,7 +2512,7 @@
           <a:p>
             <a:fld id="{B5922E6D-3451-482A-A64F-C89F139BA51A}" type="datetimeFigureOut">
               <a:rPr lang="en-US" smtClean="0"/>
-              <a:t>11/24/2014</a:t>
+              <a:t>11/25/2014</a:t>
             </a:fld>
             <a:endParaRPr lang="en-US"/>
           </a:p>
@@ -3200,7 +2677,7 @@
           <a:p>
             <a:fld id="{05247E74-41DE-40FA-A7A7-A655366ADCFA}" type="datetimeFigureOut">
               <a:rPr lang="sv-SE" smtClean="0"/>
-              <a:t>2014-11-24</a:t>
+              <a:t>2014-11-25</a:t>
             </a:fld>
             <a:endParaRPr lang="sv-SE"/>
           </a:p>
@@ -4176,7 +3653,7 @@
           <a:p>
             <a:fld id="{DB41BBF1-8D56-4061-8DE2-461FDAC177EF}" type="datetimeFigureOut">
               <a:rPr lang="sv-SE" smtClean="0"/>
-              <a:t>2014-11-24</a:t>
+              <a:t>2014-11-25</a:t>
             </a:fld>
             <a:endParaRPr lang="sv-SE"/>
           </a:p>
@@ -4440,7 +3917,7 @@
           <a:p>
             <a:fld id="{DB41BBF1-8D56-4061-8DE2-461FDAC177EF}" type="datetimeFigureOut">
               <a:rPr lang="sv-SE" smtClean="0"/>
-              <a:t>2014-11-24</a:t>
+              <a:t>2014-11-25</a:t>
             </a:fld>
             <a:endParaRPr lang="sv-SE"/>
           </a:p>
@@ -4617,7 +4094,7 @@
           <a:p>
             <a:fld id="{DB41BBF1-8D56-4061-8DE2-461FDAC177EF}" type="datetimeFigureOut">
               <a:rPr lang="sv-SE" smtClean="0"/>
-              <a:t>2014-11-24</a:t>
+              <a:t>2014-11-25</a:t>
             </a:fld>
             <a:endParaRPr lang="sv-SE"/>
           </a:p>
@@ -4804,7 +4281,7 @@
           <a:p>
             <a:fld id="{DB41BBF1-8D56-4061-8DE2-461FDAC177EF}" type="datetimeFigureOut">
               <a:rPr lang="sv-SE" smtClean="0"/>
-              <a:t>2014-11-24</a:t>
+              <a:t>2014-11-25</a:t>
             </a:fld>
             <a:endParaRPr lang="sv-SE"/>
           </a:p>
@@ -5068,7 +4545,7 @@
           <a:p>
             <a:fld id="{DB41BBF1-8D56-4061-8DE2-461FDAC177EF}" type="datetimeFigureOut">
               <a:rPr lang="sv-SE" smtClean="0"/>
-              <a:t>2014-11-24</a:t>
+              <a:t>2014-11-25</a:t>
             </a:fld>
             <a:endParaRPr lang="sv-SE"/>
           </a:p>
@@ -5245,7 +4722,7 @@
           <a:p>
             <a:fld id="{DB41BBF1-8D56-4061-8DE2-461FDAC177EF}" type="datetimeFigureOut">
               <a:rPr lang="sv-SE" smtClean="0"/>
-              <a:t>2014-11-24</a:t>
+              <a:t>2014-11-25</a:t>
             </a:fld>
             <a:endParaRPr lang="sv-SE"/>
           </a:p>
@@ -5498,7 +4975,7 @@
           <a:p>
             <a:fld id="{DB41BBF1-8D56-4061-8DE2-461FDAC177EF}" type="datetimeFigureOut">
               <a:rPr lang="sv-SE" smtClean="0"/>
-              <a:t>2014-11-24</a:t>
+              <a:t>2014-11-25</a:t>
             </a:fld>
             <a:endParaRPr lang="sv-SE"/>
           </a:p>
@@ -5793,7 +5270,7 @@
           <a:p>
             <a:fld id="{DB41BBF1-8D56-4061-8DE2-461FDAC177EF}" type="datetimeFigureOut">
               <a:rPr lang="sv-SE" smtClean="0"/>
-              <a:t>2014-11-24</a:t>
+              <a:t>2014-11-25</a:t>
             </a:fld>
             <a:endParaRPr lang="sv-SE"/>
           </a:p>
@@ -6222,7 +5699,7 @@
           <a:p>
             <a:fld id="{DB41BBF1-8D56-4061-8DE2-461FDAC177EF}" type="datetimeFigureOut">
               <a:rPr lang="sv-SE" smtClean="0"/>
-              <a:t>2014-11-24</a:t>
+              <a:t>2014-11-25</a:t>
             </a:fld>
             <a:endParaRPr lang="sv-SE"/>
           </a:p>
@@ -6347,7 +5824,7 @@
           <a:p>
             <a:fld id="{DB41BBF1-8D56-4061-8DE2-461FDAC177EF}" type="datetimeFigureOut">
               <a:rPr lang="sv-SE" smtClean="0"/>
-              <a:t>2014-11-24</a:t>
+              <a:t>2014-11-25</a:t>
             </a:fld>
             <a:endParaRPr lang="sv-SE"/>
           </a:p>
@@ -6449,7 +5926,7 @@
           <a:p>
             <a:fld id="{DB41BBF1-8D56-4061-8DE2-461FDAC177EF}" type="datetimeFigureOut">
               <a:rPr lang="sv-SE" smtClean="0"/>
-              <a:t>2014-11-24</a:t>
+              <a:t>2014-11-25</a:t>
             </a:fld>
             <a:endParaRPr lang="sv-SE"/>
           </a:p>
@@ -6733,7 +6210,7 @@
           <a:p>
             <a:fld id="{DB41BBF1-8D56-4061-8DE2-461FDAC177EF}" type="datetimeFigureOut">
               <a:rPr lang="sv-SE" smtClean="0"/>
-              <a:t>2014-11-24</a:t>
+              <a:t>2014-11-25</a:t>
             </a:fld>
             <a:endParaRPr lang="sv-SE"/>
           </a:p>
@@ -6961,7 +6438,7 @@
           <a:p>
             <a:fld id="{DB41BBF1-8D56-4061-8DE2-461FDAC177EF}" type="datetimeFigureOut">
               <a:rPr lang="sv-SE" smtClean="0"/>
-              <a:t>2014-11-24</a:t>
+              <a:t>2014-11-25</a:t>
             </a:fld>
             <a:endParaRPr lang="sv-SE"/>
           </a:p>
@@ -7571,15 +7048,7 @@
             </a:pPr>
             <a:r>
               <a:rPr lang="en-US" sz="3200" dirty="0" smtClean="0"/>
-              <a:t>ASP.NET Identity </a:t>
-            </a:r>
-            <a:r>
-              <a:rPr lang="en-US" sz="3200" dirty="0" smtClean="0"/>
-              <a:t>supports the following </a:t>
-            </a:r>
-            <a:r>
-              <a:rPr lang="en-US" sz="3200" dirty="0" smtClean="0"/>
-              <a:t>projects in .NET:</a:t>
+              <a:t>ASP.NET Identity supports the following projects in .NET:</a:t>
             </a:r>
           </a:p>
           <a:p>
@@ -8554,24 +8023,14 @@
           <a:p>
             <a:r>
               <a:rPr lang="en-US" sz="2400" dirty="0" smtClean="0"/>
-              <a:t>Forms based </a:t>
-            </a:r>
+              <a:t>Forms based authentication</a:t>
+            </a:r>
+          </a:p>
+          <a:p>
             <a:r>
               <a:rPr lang="en-US" sz="2400" dirty="0" smtClean="0"/>
-              <a:t>authentication</a:t>
-            </a:r>
-            <a:endParaRPr lang="en-US" sz="2400" dirty="0" smtClean="0"/>
-          </a:p>
-          <a:p>
-            <a:r>
-              <a:rPr lang="en-US" sz="2400" dirty="0" smtClean="0"/>
-              <a:t>Designed with only SQL servers in </a:t>
-            </a:r>
-            <a:r>
-              <a:rPr lang="en-US" sz="2400" dirty="0" smtClean="0"/>
-              <a:t>mind</a:t>
-            </a:r>
-            <a:endParaRPr lang="en-US" sz="2400" dirty="0" smtClean="0"/>
+              <a:t>Designed with only SQL servers in mind</a:t>
+            </a:r>
           </a:p>
           <a:p>
             <a:r>
@@ -8584,24 +8043,14 @@
             </a:r>
             <a:r>
               <a:rPr lang="en-US" sz="2400" dirty="0" smtClean="0"/>
-              <a:t> </a:t>
-            </a:r>
+              <a:t> integration</a:t>
+            </a:r>
+          </a:p>
+          <a:p>
             <a:r>
               <a:rPr lang="en-US" sz="2400" dirty="0" smtClean="0"/>
-              <a:t>integration</a:t>
-            </a:r>
-            <a:endParaRPr lang="en-US" sz="2400" dirty="0" smtClean="0"/>
-          </a:p>
-          <a:p>
-            <a:r>
-              <a:rPr lang="en-US" sz="2400" dirty="0" smtClean="0"/>
-              <a:t>No social login </a:t>
-            </a:r>
-            <a:r>
-              <a:rPr lang="en-US" sz="2400" dirty="0" smtClean="0"/>
-              <a:t>providers</a:t>
-            </a:r>
-            <a:endParaRPr lang="en-US" sz="2400" dirty="0" smtClean="0"/>
+              <a:t>No social login providers</a:t>
+            </a:r>
           </a:p>
           <a:p>
             <a:r>
@@ -9390,7 +8839,6 @@
               <a:rPr lang="en-US" sz="2400" dirty="0" smtClean="0"/>
               <a:t> </a:t>
             </a:r>
-            <a:endParaRPr lang="en-US" sz="2400" dirty="0" smtClean="0"/>
           </a:p>
           <a:p>
             <a:r>
@@ -9574,7 +9022,6 @@
               <a:rPr lang="en-GB" sz="1800" dirty="0" smtClean="0"/>
               <a:t> (Digital Download)</a:t>
             </a:r>
-            <a:endParaRPr lang="en-GB" sz="1800" dirty="0" smtClean="0"/>
           </a:p>
           <a:p>
             <a:pPr marL="0" indent="0">
@@ -9777,11 +9224,7 @@
             </a:r>
             <a:r>
               <a:rPr lang="en-GB" sz="3200" dirty="0" smtClean="0"/>
-              <a:t>elieves </a:t>
-            </a:r>
-            <a:r>
-              <a:rPr lang="en-GB" sz="3200" dirty="0" smtClean="0"/>
-              <a:t>the developers from creating a new user management system for every new application.</a:t>
+              <a:t>elieves the developers from creating a new user management system for every new application.</a:t>
             </a:r>
           </a:p>
           <a:p>
@@ -9800,11 +9243,7 @@
             </a:r>
             <a:r>
               <a:rPr lang="en-GB" sz="3200" dirty="0" smtClean="0"/>
-              <a:t> </a:t>
-            </a:r>
-            <a:r>
-              <a:rPr lang="en-GB" sz="3200" dirty="0" smtClean="0"/>
-              <a:t>framework for creating secure and modern security solutions.</a:t>
+              <a:t> framework for creating secure and modern security solutions.</a:t>
             </a:r>
           </a:p>
           <a:p>
@@ -10152,15 +9591,19 @@
             </a:pPr>
             <a:r>
               <a:rPr lang="en-GB" dirty="0" smtClean="0"/>
-              <a:t>ASP.NET Identity supports delegated authorization, using </a:t>
+              <a:t>ASP.NET Identity supports </a:t>
+            </a:r>
+            <a:r>
+              <a:rPr lang="en-GB" smtClean="0"/>
+              <a:t>delegated </a:t>
+            </a:r>
+            <a:r>
+              <a:rPr lang="en-GB" smtClean="0"/>
+              <a:t>authentication, </a:t>
             </a:r>
             <a:r>
               <a:rPr lang="en-GB" dirty="0" smtClean="0"/>
-              <a:t>OAuth </a:t>
-            </a:r>
-            <a:r>
-              <a:rPr lang="en-GB" dirty="0" smtClean="0"/>
-              <a:t>which grant you:</a:t>
+              <a:t>using OAuth which grant you:</a:t>
             </a:r>
           </a:p>
           <a:p>
@@ -10683,15 +10126,7 @@
           <a:p>
             <a:r>
               <a:rPr lang="en-US" dirty="0" smtClean="0"/>
-              <a:t>4 </a:t>
-            </a:r>
-            <a:r>
-              <a:rPr lang="en-US" dirty="0" smtClean="0"/>
-              <a:t>User </a:t>
-            </a:r>
-            <a:r>
-              <a:rPr lang="en-US" dirty="0" smtClean="0"/>
-              <a:t>Information</a:t>
+              <a:t>4 User Information</a:t>
             </a:r>
             <a:endParaRPr lang="en-US" dirty="0"/>
           </a:p>
@@ -10803,15 +10238,7 @@
             </a:pPr>
             <a:r>
               <a:rPr lang="en-US" sz="3200" dirty="0" smtClean="0"/>
-              <a:t>Gives the developer the option to </a:t>
-            </a:r>
-            <a:r>
-              <a:rPr lang="en-US" sz="3200" dirty="0" smtClean="0"/>
-              <a:t>create</a:t>
-            </a:r>
-            <a:r>
-              <a:rPr lang="en-US" sz="3200" dirty="0" smtClean="0"/>
-              <a:t>:</a:t>
+              <a:t>Gives the developer the option to create:</a:t>
             </a:r>
           </a:p>
           <a:p>
